--- a/head.pptx
+++ b/head.pptx
@@ -288,7 +288,7 @@
           <a:p>
             <a:fld id="{EE714675-FB3C-5540-8214-2708993C80D3}" type="datetimeFigureOut">
               <a:rPr kumimoji="1" lang="zh-CN" altLang="en-US" smtClean="0"/>
-              <a:t>12/6/17</a:t>
+              <a:t>12/7/17</a:t>
             </a:fld>
             <a:endParaRPr kumimoji="1" lang="zh-CN" altLang="en-US"/>
           </a:p>
@@ -458,7 +458,7 @@
           <a:p>
             <a:fld id="{EE714675-FB3C-5540-8214-2708993C80D3}" type="datetimeFigureOut">
               <a:rPr kumimoji="1" lang="zh-CN" altLang="en-US" smtClean="0"/>
-              <a:t>12/6/17</a:t>
+              <a:t>12/7/17</a:t>
             </a:fld>
             <a:endParaRPr kumimoji="1" lang="zh-CN" altLang="en-US"/>
           </a:p>
@@ -638,7 +638,7 @@
           <a:p>
             <a:fld id="{EE714675-FB3C-5540-8214-2708993C80D3}" type="datetimeFigureOut">
               <a:rPr kumimoji="1" lang="zh-CN" altLang="en-US" smtClean="0"/>
-              <a:t>12/6/17</a:t>
+              <a:t>12/7/17</a:t>
             </a:fld>
             <a:endParaRPr kumimoji="1" lang="zh-CN" altLang="en-US"/>
           </a:p>
@@ -808,7 +808,7 @@
           <a:p>
             <a:fld id="{EE714675-FB3C-5540-8214-2708993C80D3}" type="datetimeFigureOut">
               <a:rPr kumimoji="1" lang="zh-CN" altLang="en-US" smtClean="0"/>
-              <a:t>12/6/17</a:t>
+              <a:t>12/7/17</a:t>
             </a:fld>
             <a:endParaRPr kumimoji="1" lang="zh-CN" altLang="en-US"/>
           </a:p>
@@ -1054,7 +1054,7 @@
           <a:p>
             <a:fld id="{EE714675-FB3C-5540-8214-2708993C80D3}" type="datetimeFigureOut">
               <a:rPr kumimoji="1" lang="zh-CN" altLang="en-US" smtClean="0"/>
-              <a:t>12/6/17</a:t>
+              <a:t>12/7/17</a:t>
             </a:fld>
             <a:endParaRPr kumimoji="1" lang="zh-CN" altLang="en-US"/>
           </a:p>
@@ -1342,7 +1342,7 @@
           <a:p>
             <a:fld id="{EE714675-FB3C-5540-8214-2708993C80D3}" type="datetimeFigureOut">
               <a:rPr kumimoji="1" lang="zh-CN" altLang="en-US" smtClean="0"/>
-              <a:t>12/6/17</a:t>
+              <a:t>12/7/17</a:t>
             </a:fld>
             <a:endParaRPr kumimoji="1" lang="zh-CN" altLang="en-US"/>
           </a:p>
@@ -1764,7 +1764,7 @@
           <a:p>
             <a:fld id="{EE714675-FB3C-5540-8214-2708993C80D3}" type="datetimeFigureOut">
               <a:rPr kumimoji="1" lang="zh-CN" altLang="en-US" smtClean="0"/>
-              <a:t>12/6/17</a:t>
+              <a:t>12/7/17</a:t>
             </a:fld>
             <a:endParaRPr kumimoji="1" lang="zh-CN" altLang="en-US"/>
           </a:p>
@@ -1882,7 +1882,7 @@
           <a:p>
             <a:fld id="{EE714675-FB3C-5540-8214-2708993C80D3}" type="datetimeFigureOut">
               <a:rPr kumimoji="1" lang="zh-CN" altLang="en-US" smtClean="0"/>
-              <a:t>12/6/17</a:t>
+              <a:t>12/7/17</a:t>
             </a:fld>
             <a:endParaRPr kumimoji="1" lang="zh-CN" altLang="en-US"/>
           </a:p>
@@ -1977,7 +1977,7 @@
           <a:p>
             <a:fld id="{EE714675-FB3C-5540-8214-2708993C80D3}" type="datetimeFigureOut">
               <a:rPr kumimoji="1" lang="zh-CN" altLang="en-US" smtClean="0"/>
-              <a:t>12/6/17</a:t>
+              <a:t>12/7/17</a:t>
             </a:fld>
             <a:endParaRPr kumimoji="1" lang="zh-CN" altLang="en-US"/>
           </a:p>
@@ -2254,7 +2254,7 @@
           <a:p>
             <a:fld id="{EE714675-FB3C-5540-8214-2708993C80D3}" type="datetimeFigureOut">
               <a:rPr kumimoji="1" lang="zh-CN" altLang="en-US" smtClean="0"/>
-              <a:t>12/6/17</a:t>
+              <a:t>12/7/17</a:t>
             </a:fld>
             <a:endParaRPr kumimoji="1" lang="zh-CN" altLang="en-US"/>
           </a:p>
@@ -2507,7 +2507,7 @@
           <a:p>
             <a:fld id="{EE714675-FB3C-5540-8214-2708993C80D3}" type="datetimeFigureOut">
               <a:rPr kumimoji="1" lang="zh-CN" altLang="en-US" smtClean="0"/>
-              <a:t>12/6/17</a:t>
+              <a:t>12/7/17</a:t>
             </a:fld>
             <a:endParaRPr kumimoji="1" lang="zh-CN" altLang="en-US"/>
           </a:p>
@@ -2720,7 +2720,7 @@
           <a:p>
             <a:fld id="{EE714675-FB3C-5540-8214-2708993C80D3}" type="datetimeFigureOut">
               <a:rPr kumimoji="1" lang="zh-CN" altLang="en-US" smtClean="0"/>
-              <a:t>12/6/17</a:t>
+              <a:t>12/7/17</a:t>
             </a:fld>
             <a:endParaRPr kumimoji="1" lang="zh-CN" altLang="en-US"/>
           </a:p>
@@ -3198,8 +3198,8 @@
         </p:nvSpPr>
         <p:spPr>
           <a:xfrm>
-            <a:off x="3168728" y="1664413"/>
-            <a:ext cx="4956532" cy="752068"/>
+            <a:off x="548517" y="1288379"/>
+            <a:ext cx="8221167" cy="752068"/>
           </a:xfrm>
           <a:prstGeom prst="round2SameRect">
             <a:avLst>
@@ -3226,7 +3226,6 @@
           <a:bodyPr rtlCol="0" anchor="ctr"/>
           <a:lstStyle/>
           <a:p>
-            <a:pPr algn="ctr"/>
             <a:r>
               <a:rPr kumimoji="1" lang="en-US" altLang="zh-CN" sz="3200" dirty="0" err="1" smtClean="0"/>
               <a:t>RNApairing</a:t>
